--- a/Slides/POO/6 Polimorfismo.pptx
+++ b/Slides/POO/6 Polimorfismo.pptx
@@ -439,7 +439,28 @@
     </pc:docChg>
   </pc:docChgLst>
   <pc:docChgLst>
-    <pc:chgData name="Cesar Augusto Lopez Gallego" userId="0dfa9112-9251-4882-b472-cf2dfcee09d1" providerId="ADAL" clId="{680A239F-238C-4291-8B3D-5828A9232008}"/>
+    <pc:chgData name="Cesar Augusto Lopez Gallego" userId="0dfa9112-9251-4882-b472-cf2dfcee09d1" providerId="ADAL" clId="{9E6006F5-E425-4745-83EF-E7146C6EF078}"/>
+    <pc:docChg chg="custSel modSld">
+      <pc:chgData name="Cesar Augusto Lopez Gallego" userId="0dfa9112-9251-4882-b472-cf2dfcee09d1" providerId="ADAL" clId="{9E6006F5-E425-4745-83EF-E7146C6EF078}" dt="2025-01-19T17:50:42.552" v="0" actId="478"/>
+      <pc:docMkLst>
+        <pc:docMk/>
+      </pc:docMkLst>
+      <pc:sldChg chg="delSp mod">
+        <pc:chgData name="Cesar Augusto Lopez Gallego" userId="0dfa9112-9251-4882-b472-cf2dfcee09d1" providerId="ADAL" clId="{9E6006F5-E425-4745-83EF-E7146C6EF078}" dt="2025-01-19T17:50:42.552" v="0" actId="478"/>
+        <pc:sldMkLst>
+          <pc:docMk/>
+          <pc:sldMk cId="0" sldId="279"/>
+        </pc:sldMkLst>
+        <pc:spChg chg="del">
+          <ac:chgData name="Cesar Augusto Lopez Gallego" userId="0dfa9112-9251-4882-b472-cf2dfcee09d1" providerId="ADAL" clId="{9E6006F5-E425-4745-83EF-E7146C6EF078}" dt="2025-01-19T17:50:42.552" v="0" actId="478"/>
+          <ac:spMkLst>
+            <pc:docMk/>
+            <pc:sldMk cId="0" sldId="279"/>
+            <ac:spMk id="344" creationId="{00000000-0000-0000-0000-000000000000}"/>
+          </ac:spMkLst>
+        </pc:spChg>
+      </pc:sldChg>
+    </pc:docChg>
   </pc:docChgLst>
 </pc:chgInfo>
 </file>
@@ -21289,80 +21310,6 @@
           </a:p>
         </p:txBody>
       </p:sp>
-      <p:sp>
-        <p:nvSpPr>
-          <p:cNvPr id="344" name="Google Shape;344;p36"/>
-          <p:cNvSpPr txBox="1"/>
-          <p:nvPr/>
-        </p:nvSpPr>
-        <p:spPr>
-          <a:xfrm>
-            <a:off x="8655486" y="5812077"/>
-            <a:ext cx="2885085" cy="646331"/>
-          </a:xfrm>
-          <a:prstGeom prst="rect">
-            <a:avLst/>
-          </a:prstGeom>
-          <a:noFill/>
-          <a:ln>
-            <a:noFill/>
-          </a:ln>
-        </p:spPr>
-        <p:txBody>
-          <a:bodyPr spcFirstLastPara="1" wrap="square" lIns="91425" tIns="45700" rIns="91425" bIns="45700" anchor="t" anchorCtr="0">
-            <a:noAutofit/>
-          </a:bodyPr>
-          <a:lstStyle/>
-          <a:p>
-            <a:pPr marL="0" marR="0" lvl="0" indent="0" algn="r" rtl="0">
-              <a:spcBef>
-                <a:spcPts val="0"/>
-              </a:spcBef>
-              <a:spcAft>
-                <a:spcPts val="0"/>
-              </a:spcAft>
-              <a:buNone/>
-            </a:pPr>
-            <a:r>
-              <a:rPr lang="es-CO" sz="1800">
-                <a:solidFill>
-                  <a:schemeClr val="dk1"/>
-                </a:solidFill>
-                <a:latin typeface="Calibri"/>
-                <a:ea typeface="Calibri"/>
-                <a:cs typeface="Calibri"/>
-                <a:sym typeface="Calibri"/>
-              </a:rPr>
-              <a:t>César Augusto López Gallego</a:t>
-            </a:r>
-            <a:endParaRPr/>
-          </a:p>
-          <a:p>
-            <a:pPr marL="0" marR="0" lvl="0" indent="0" algn="r" rtl="0">
-              <a:spcBef>
-                <a:spcPts val="0"/>
-              </a:spcBef>
-              <a:spcAft>
-                <a:spcPts val="0"/>
-              </a:spcAft>
-              <a:buNone/>
-            </a:pPr>
-            <a:r>
-              <a:rPr lang="es-CO" sz="1800">
-                <a:solidFill>
-                  <a:schemeClr val="dk1"/>
-                </a:solidFill>
-                <a:latin typeface="Calibri"/>
-                <a:ea typeface="Calibri"/>
-                <a:cs typeface="Calibri"/>
-                <a:sym typeface="Calibri"/>
-              </a:rPr>
-              <a:t>2019</a:t>
-            </a:r>
-            <a:endParaRPr/>
-          </a:p>
-        </p:txBody>
-      </p:sp>
       <p:pic>
         <p:nvPicPr>
           <p:cNvPr id="345" name="Google Shape;345;p36"/>

--- a/Slides/POO/6 Polimorfismo.pptx
+++ b/Slides/POO/6 Polimorfismo.pptx
@@ -457,6 +457,30 @@
             <pc:docMk/>
             <pc:sldMk cId="0" sldId="279"/>
             <ac:spMk id="344" creationId="{00000000-0000-0000-0000-000000000000}"/>
+          </ac:spMkLst>
+        </pc:spChg>
+      </pc:sldChg>
+    </pc:docChg>
+  </pc:docChgLst>
+  <pc:docChgLst>
+    <pc:chgData name="Cesar Augusto Lopez Gallego" userId="0dfa9112-9251-4882-b472-cf2dfcee09d1" providerId="ADAL" clId="{C4D53BF4-91FF-4413-8E1A-8B8BDA040EED}"/>
+    <pc:docChg chg="undo custSel modSld">
+      <pc:chgData name="Cesar Augusto Lopez Gallego" userId="0dfa9112-9251-4882-b472-cf2dfcee09d1" providerId="ADAL" clId="{C4D53BF4-91FF-4413-8E1A-8B8BDA040EED}" dt="2025-03-19T15:28:09.684" v="57" actId="20577"/>
+      <pc:docMkLst>
+        <pc:docMk/>
+      </pc:docMkLst>
+      <pc:sldChg chg="modSp mod">
+        <pc:chgData name="Cesar Augusto Lopez Gallego" userId="0dfa9112-9251-4882-b472-cf2dfcee09d1" providerId="ADAL" clId="{C4D53BF4-91FF-4413-8E1A-8B8BDA040EED}" dt="2025-03-19T15:28:09.684" v="57" actId="20577"/>
+        <pc:sldMkLst>
+          <pc:docMk/>
+          <pc:sldMk cId="0" sldId="287"/>
+        </pc:sldMkLst>
+        <pc:spChg chg="mod">
+          <ac:chgData name="Cesar Augusto Lopez Gallego" userId="0dfa9112-9251-4882-b472-cf2dfcee09d1" providerId="ADAL" clId="{C4D53BF4-91FF-4413-8E1A-8B8BDA040EED}" dt="2025-03-19T15:28:09.684" v="57" actId="20577"/>
+          <ac:spMkLst>
+            <pc:docMk/>
+            <pc:sldMk cId="0" sldId="287"/>
+            <ac:spMk id="410" creationId="{00000000-0000-0000-0000-000000000000}"/>
           </ac:spMkLst>
         </pc:spChg>
       </pc:sldChg>
@@ -19333,38 +19357,7 @@
             </a:pPr>
             <a:r>
               <a:rPr lang="es-CO" sz="1800" dirty="0"/>
-              <a:t>Es una clase abstracta pura </a:t>
-            </a:r>
-            <a:r>
-              <a:rPr lang="es-CO" sz="1800" u="sng" dirty="0">
-                <a:solidFill>
-                  <a:srgbClr val="FF0000"/>
-                </a:solidFill>
-              </a:rPr>
-              <a:t>con métodos </a:t>
-            </a:r>
-            <a:r>
-              <a:rPr lang="es-CO" sz="1800" dirty="0"/>
-              <a:t>abstractos “públicos” sin código (Se especifica el qué, No se especifica el cómo).</a:t>
-            </a:r>
-          </a:p>
-          <a:p>
-            <a:pPr marL="457200" lvl="0" indent="-355600" algn="l" rtl="0">
-              <a:lnSpc>
-                <a:spcPct val="150000"/>
-              </a:lnSpc>
-              <a:spcBef>
-                <a:spcPts val="0"/>
-              </a:spcBef>
-              <a:spcAft>
-                <a:spcPts val="0"/>
-              </a:spcAft>
-              <a:buSzPts val="2000"/>
-              <a:buAutoNum type="arabicPeriod" startAt="2"/>
-            </a:pPr>
-            <a:r>
-              <a:rPr lang="es-CO" sz="1800" dirty="0"/>
-              <a:t> En la interfaz no se maneja Visibilidad.</a:t>
+              <a:t>En la interfaz no se maneja Visibilidad.</a:t>
             </a:r>
             <a:endParaRPr sz="1800" u="sng" dirty="0">
               <a:solidFill>
@@ -19454,7 +19447,18 @@
             </a:pPr>
             <a:r>
               <a:rPr lang="es-CO" sz="1800" dirty="0"/>
-              <a:t>Es una forma de implementar herencia múltiple y Se etiqueta “Implementa”</a:t>
+              <a:t>Es un machetazo para tratar de simular una herencia múltiple </a:t>
+            </a:r>
+          </a:p>
+          <a:p>
+            <a:pPr marL="342900" indent="-342900">
+              <a:lnSpc>
+                <a:spcPct val="150000"/>
+              </a:lnSpc>
+            </a:pPr>
+            <a:r>
+              <a:rPr lang="es-CO" sz="1800" dirty="0"/>
+              <a:t>Se etiqueta “Implementa”</a:t>
             </a:r>
           </a:p>
           <a:p>
